--- a/summary.pptx
+++ b/summary.pptx
@@ -5938,68 +5938,6 @@
           </a:p>
         </p:txBody>
       </p:sp>
-      <p:sp>
-        <p:nvSpPr>
-          <p:cNvPr id="48" name="Data 47">
-            <a:extLst>
-              <a:ext uri="{FF2B5EF4-FFF2-40B4-BE49-F238E27FC236}">
-                <a16:creationId xmlns:a16="http://schemas.microsoft.com/office/drawing/2014/main" id="{9D098BF8-0BE7-8B41-8BE1-B4B3EF1D9441}"/>
-              </a:ext>
-            </a:extLst>
-          </p:cNvPr>
-          <p:cNvSpPr/>
-          <p:nvPr/>
-        </p:nvSpPr>
-        <p:spPr>
-          <a:xfrm>
-            <a:off x="6943131" y="1383362"/>
-            <a:ext cx="1991360" cy="438435"/>
-          </a:xfrm>
-          <a:prstGeom prst="flowChartInputOutput">
-            <a:avLst/>
-          </a:prstGeom>
-        </p:spPr>
-        <p:style>
-          <a:lnRef idx="2">
-            <a:schemeClr val="accent1"/>
-          </a:lnRef>
-          <a:fillRef idx="1">
-            <a:schemeClr val="lt1"/>
-          </a:fillRef>
-          <a:effectRef idx="0">
-            <a:schemeClr val="accent1"/>
-          </a:effectRef>
-          <a:fontRef idx="minor">
-            <a:schemeClr val="dk1"/>
-          </a:fontRef>
-        </p:style>
-        <p:txBody>
-          <a:bodyPr rtlCol="0" anchor="ctr"/>
-          <a:lstStyle/>
-          <a:p>
-            <a:pPr algn="ctr"/>
-            <a:r>
-              <a:rPr lang="en-US" sz="1400" b="1" dirty="0"/>
-              <a:t>Point Process</a:t>
-            </a:r>
-          </a:p>
-          <a:p>
-            <a:pPr algn="ctr"/>
-            <a:r>
-              <a:rPr lang="en-US" sz="1200" dirty="0"/>
-              <a:t>(</a:t>
-            </a:r>
-            <a:r>
-              <a:rPr lang="en-US" sz="1200" dirty="0" err="1"/>
-              <a:t>xyarray_all</a:t>
-            </a:r>
-            <a:r>
-              <a:rPr lang="en-US" sz="1200" dirty="0"/>
-              <a:t>)</a:t>
-            </a:r>
-          </a:p>
-        </p:txBody>
-      </p:sp>
       <p:cxnSp>
         <p:nvCxnSpPr>
           <p:cNvPr id="50" name="Straight Arrow Connector 49">
